--- a/images/elite-luke.pptx
+++ b/images/elite-luke.pptx
@@ -6,7 +6,8 @@
   </p:sldMasterIdLst>
   <p:sldIdLst>
     <p:sldId id="256" r:id="rId2"/>
-    <p:sldId id="257" r:id="rId3"/>
+    <p:sldId id="258" r:id="rId3"/>
+    <p:sldId id="257" r:id="rId4"/>
   </p:sldIdLst>
   <p:sldSz cx="9144000" cy="6858000" type="screen4x3"/>
   <p:notesSz cx="6858000" cy="9144000"/>
@@ -289,7 +290,7 @@
           <a:p>
             <a:fld id="{05B13BA6-4F3B-0B47-A5CE-CBC8F1DB2A37}" type="datetimeFigureOut">
               <a:rPr lang="en-US" smtClean="0"/>
-              <a:t>11/6/17</a:t>
+              <a:t>11/8/17</a:t>
             </a:fld>
             <a:endParaRPr lang="en-US"/>
           </a:p>
@@ -459,7 +460,7 @@
           <a:p>
             <a:fld id="{05B13BA6-4F3B-0B47-A5CE-CBC8F1DB2A37}" type="datetimeFigureOut">
               <a:rPr lang="en-US" smtClean="0"/>
-              <a:t>11/6/17</a:t>
+              <a:t>11/8/17</a:t>
             </a:fld>
             <a:endParaRPr lang="en-US"/>
           </a:p>
@@ -639,7 +640,7 @@
           <a:p>
             <a:fld id="{05B13BA6-4F3B-0B47-A5CE-CBC8F1DB2A37}" type="datetimeFigureOut">
               <a:rPr lang="en-US" smtClean="0"/>
-              <a:t>11/6/17</a:t>
+              <a:t>11/8/17</a:t>
             </a:fld>
             <a:endParaRPr lang="en-US"/>
           </a:p>
@@ -809,7 +810,7 @@
           <a:p>
             <a:fld id="{05B13BA6-4F3B-0B47-A5CE-CBC8F1DB2A37}" type="datetimeFigureOut">
               <a:rPr lang="en-US" smtClean="0"/>
-              <a:t>11/6/17</a:t>
+              <a:t>11/8/17</a:t>
             </a:fld>
             <a:endParaRPr lang="en-US"/>
           </a:p>
@@ -1055,7 +1056,7 @@
           <a:p>
             <a:fld id="{05B13BA6-4F3B-0B47-A5CE-CBC8F1DB2A37}" type="datetimeFigureOut">
               <a:rPr lang="en-US" smtClean="0"/>
-              <a:t>11/6/17</a:t>
+              <a:t>11/8/17</a:t>
             </a:fld>
             <a:endParaRPr lang="en-US"/>
           </a:p>
@@ -1343,7 +1344,7 @@
           <a:p>
             <a:fld id="{05B13BA6-4F3B-0B47-A5CE-CBC8F1DB2A37}" type="datetimeFigureOut">
               <a:rPr lang="en-US" smtClean="0"/>
-              <a:t>11/6/17</a:t>
+              <a:t>11/8/17</a:t>
             </a:fld>
             <a:endParaRPr lang="en-US"/>
           </a:p>
@@ -1765,7 +1766,7 @@
           <a:p>
             <a:fld id="{05B13BA6-4F3B-0B47-A5CE-CBC8F1DB2A37}" type="datetimeFigureOut">
               <a:rPr lang="en-US" smtClean="0"/>
-              <a:t>11/6/17</a:t>
+              <a:t>11/8/17</a:t>
             </a:fld>
             <a:endParaRPr lang="en-US"/>
           </a:p>
@@ -1883,7 +1884,7 @@
           <a:p>
             <a:fld id="{05B13BA6-4F3B-0B47-A5CE-CBC8F1DB2A37}" type="datetimeFigureOut">
               <a:rPr lang="en-US" smtClean="0"/>
-              <a:t>11/6/17</a:t>
+              <a:t>11/8/17</a:t>
             </a:fld>
             <a:endParaRPr lang="en-US"/>
           </a:p>
@@ -1978,7 +1979,7 @@
           <a:p>
             <a:fld id="{05B13BA6-4F3B-0B47-A5CE-CBC8F1DB2A37}" type="datetimeFigureOut">
               <a:rPr lang="en-US" smtClean="0"/>
-              <a:t>11/6/17</a:t>
+              <a:t>11/8/17</a:t>
             </a:fld>
             <a:endParaRPr lang="en-US"/>
           </a:p>
@@ -2255,7 +2256,7 @@
           <a:p>
             <a:fld id="{05B13BA6-4F3B-0B47-A5CE-CBC8F1DB2A37}" type="datetimeFigureOut">
               <a:rPr lang="en-US" smtClean="0"/>
-              <a:t>11/6/17</a:t>
+              <a:t>11/8/17</a:t>
             </a:fld>
             <a:endParaRPr lang="en-US"/>
           </a:p>
@@ -2508,7 +2509,7 @@
           <a:p>
             <a:fld id="{05B13BA6-4F3B-0B47-A5CE-CBC8F1DB2A37}" type="datetimeFigureOut">
               <a:rPr lang="en-US" smtClean="0"/>
-              <a:t>11/6/17</a:t>
+              <a:t>11/8/17</a:t>
             </a:fld>
             <a:endParaRPr lang="en-US"/>
           </a:p>
@@ -2721,7 +2722,7 @@
           <a:p>
             <a:fld id="{05B13BA6-4F3B-0B47-A5CE-CBC8F1DB2A37}" type="datetimeFigureOut">
               <a:rPr lang="en-US" smtClean="0"/>
-              <a:t>11/6/17</a:t>
+              <a:t>11/8/17</a:t>
             </a:fld>
             <a:endParaRPr lang="en-US"/>
           </a:p>
@@ -3248,6 +3249,174 @@
 </file>
 
 <file path=ppt/slides/slide2.xml><?xml version="1.0" encoding="utf-8"?>
+<p:sld xmlns:a="http://schemas.openxmlformats.org/drawingml/2006/main" xmlns:r="http://schemas.openxmlformats.org/officeDocument/2006/relationships" xmlns:p="http://schemas.openxmlformats.org/presentationml/2006/main">
+  <p:cSld>
+    <p:spTree>
+      <p:nvGrpSpPr>
+        <p:cNvPr id="1" name=""/>
+        <p:cNvGrpSpPr/>
+        <p:nvPr/>
+      </p:nvGrpSpPr>
+      <p:grpSpPr>
+        <a:xfrm>
+          <a:off x="0" y="0"/>
+          <a:ext cx="0" cy="0"/>
+          <a:chOff x="0" y="0"/>
+          <a:chExt cx="0" cy="0"/>
+        </a:xfrm>
+      </p:grpSpPr>
+      <p:pic>
+        <p:nvPicPr>
+          <p:cNvPr id="14" name="Picture 13"/>
+          <p:cNvPicPr>
+            <a:picLocks noChangeAspect="1"/>
+          </p:cNvPicPr>
+          <p:nvPr/>
+        </p:nvPicPr>
+        <p:blipFill>
+          <a:blip r:embed="rId2"/>
+          <a:stretch>
+            <a:fillRect/>
+          </a:stretch>
+        </p:blipFill>
+        <p:spPr>
+          <a:xfrm>
+            <a:off x="1639887" y="3028818"/>
+            <a:ext cx="6502400" cy="2400300"/>
+          </a:xfrm>
+          <a:prstGeom prst="rect">
+            <a:avLst/>
+          </a:prstGeom>
+        </p:spPr>
+      </p:pic>
+      <p:sp>
+        <p:nvSpPr>
+          <p:cNvPr id="11" name="TextBox 10"/>
+          <p:cNvSpPr txBox="1"/>
+          <p:nvPr/>
+        </p:nvSpPr>
+        <p:spPr>
+          <a:xfrm>
+            <a:off x="2164152" y="2003522"/>
+            <a:ext cx="5437214" cy="1938992"/>
+          </a:xfrm>
+          <a:prstGeom prst="rect">
+            <a:avLst/>
+          </a:prstGeom>
+          <a:noFill/>
+        </p:spPr>
+        <p:txBody>
+          <a:bodyPr wrap="square" rtlCol="0">
+            <a:spAutoFit/>
+          </a:bodyPr>
+          <a:lstStyle/>
+          <a:p>
+            <a:r>
+              <a:rPr lang="en-US" sz="12000" b="1" dirty="0" smtClean="0">
+                <a:solidFill>
+                  <a:srgbClr val="000090"/>
+                </a:solidFill>
+                <a:latin typeface="Edwardian Script ITC"/>
+                <a:cs typeface="Edwardian Script ITC"/>
+              </a:rPr>
+              <a:t>Elite Luke</a:t>
+            </a:r>
+          </a:p>
+        </p:txBody>
+      </p:sp>
+      <p:sp>
+        <p:nvSpPr>
+          <p:cNvPr id="12" name="TextBox 11"/>
+          <p:cNvSpPr txBox="1"/>
+          <p:nvPr/>
+        </p:nvSpPr>
+        <p:spPr>
+          <a:xfrm>
+            <a:off x="2503983" y="3835186"/>
+            <a:ext cx="5168928" cy="769441"/>
+          </a:xfrm>
+          <a:prstGeom prst="rect">
+            <a:avLst/>
+          </a:prstGeom>
+          <a:noFill/>
+        </p:spPr>
+        <p:txBody>
+          <a:bodyPr wrap="square" rtlCol="0">
+            <a:spAutoFit/>
+          </a:bodyPr>
+          <a:lstStyle/>
+          <a:p>
+            <a:r>
+              <a:rPr lang="en-US" sz="4400" spc="250" dirty="0" smtClean="0">
+                <a:solidFill>
+                  <a:schemeClr val="tx2">
+                    <a:lumMod val="60000"/>
+                    <a:lumOff val="40000"/>
+                  </a:schemeClr>
+                </a:solidFill>
+                <a:latin typeface="Abadi MT Condensed Light"/>
+                <a:cs typeface="Abadi MT Condensed Light"/>
+              </a:rPr>
+              <a:t>PACKAGING &amp; PRINTING</a:t>
+            </a:r>
+            <a:endParaRPr lang="en-US" sz="4400" spc="250" dirty="0">
+              <a:solidFill>
+                <a:schemeClr val="tx2">
+                  <a:lumMod val="60000"/>
+                  <a:lumOff val="40000"/>
+                </a:schemeClr>
+              </a:solidFill>
+              <a:latin typeface="Abadi MT Condensed Light"/>
+              <a:cs typeface="Abadi MT Condensed Light"/>
+            </a:endParaRPr>
+          </a:p>
+        </p:txBody>
+      </p:sp>
+      <p:pic>
+        <p:nvPicPr>
+          <p:cNvPr id="13" name="Picture 12"/>
+          <p:cNvPicPr>
+            <a:picLocks noChangeAspect="1"/>
+          </p:cNvPicPr>
+          <p:nvPr/>
+        </p:nvPicPr>
+        <p:blipFill>
+          <a:blip r:embed="rId3"/>
+          <a:stretch>
+            <a:fillRect/>
+          </a:stretch>
+        </p:blipFill>
+        <p:spPr>
+          <a:xfrm>
+            <a:off x="1639887" y="1809456"/>
+            <a:ext cx="6502400" cy="1866900"/>
+          </a:xfrm>
+          <a:prstGeom prst="rect">
+            <a:avLst/>
+          </a:prstGeom>
+        </p:spPr>
+      </p:pic>
+    </p:spTree>
+    <p:extLst>
+      <p:ext uri="{BB962C8B-B14F-4D97-AF65-F5344CB8AC3E}">
+        <p14:creationId xmlns:p14="http://schemas.microsoft.com/office/powerpoint/2010/main" val="2973084751"/>
+      </p:ext>
+    </p:extLst>
+  </p:cSld>
+  <p:clrMapOvr>
+    <a:masterClrMapping/>
+  </p:clrMapOvr>
+  <p:timing>
+    <p:tnLst>
+      <p:par>
+        <p:cTn xmlns:p14="http://schemas.microsoft.com/office/powerpoint/2010/main" id="1" dur="indefinite" restart="never" nodeType="tmRoot"/>
+      </p:par>
+    </p:tnLst>
+  </p:timing>
+</p:sld>
+</file>
+
+<file path=ppt/slides/slide3.xml><?xml version="1.0" encoding="utf-8"?>
 <p:sld xmlns:a="http://schemas.openxmlformats.org/drawingml/2006/main" xmlns:r="http://schemas.openxmlformats.org/officeDocument/2006/relationships" xmlns:p="http://schemas.openxmlformats.org/presentationml/2006/main">
   <p:cSld>
     <p:spTree>

--- a/images/elite-luke.pptx
+++ b/images/elite-luke.pptx
@@ -6,8 +6,9 @@
   </p:sldMasterIdLst>
   <p:sldIdLst>
     <p:sldId id="256" r:id="rId2"/>
-    <p:sldId id="258" r:id="rId3"/>
-    <p:sldId id="257" r:id="rId4"/>
+    <p:sldId id="259" r:id="rId3"/>
+    <p:sldId id="258" r:id="rId4"/>
+    <p:sldId id="257" r:id="rId5"/>
   </p:sldIdLst>
   <p:sldSz cx="9144000" cy="6858000" type="screen4x3"/>
   <p:notesSz cx="6858000" cy="9144000"/>
@@ -290,7 +291,7 @@
           <a:p>
             <a:fld id="{05B13BA6-4F3B-0B47-A5CE-CBC8F1DB2A37}" type="datetimeFigureOut">
               <a:rPr lang="en-US" smtClean="0"/>
-              <a:t>11/8/17</a:t>
+              <a:t>11/9/17</a:t>
             </a:fld>
             <a:endParaRPr lang="en-US"/>
           </a:p>
@@ -460,7 +461,7 @@
           <a:p>
             <a:fld id="{05B13BA6-4F3B-0B47-A5CE-CBC8F1DB2A37}" type="datetimeFigureOut">
               <a:rPr lang="en-US" smtClean="0"/>
-              <a:t>11/8/17</a:t>
+              <a:t>11/9/17</a:t>
             </a:fld>
             <a:endParaRPr lang="en-US"/>
           </a:p>
@@ -640,7 +641,7 @@
           <a:p>
             <a:fld id="{05B13BA6-4F3B-0B47-A5CE-CBC8F1DB2A37}" type="datetimeFigureOut">
               <a:rPr lang="en-US" smtClean="0"/>
-              <a:t>11/8/17</a:t>
+              <a:t>11/9/17</a:t>
             </a:fld>
             <a:endParaRPr lang="en-US"/>
           </a:p>
@@ -810,7 +811,7 @@
           <a:p>
             <a:fld id="{05B13BA6-4F3B-0B47-A5CE-CBC8F1DB2A37}" type="datetimeFigureOut">
               <a:rPr lang="en-US" smtClean="0"/>
-              <a:t>11/8/17</a:t>
+              <a:t>11/9/17</a:t>
             </a:fld>
             <a:endParaRPr lang="en-US"/>
           </a:p>
@@ -1056,7 +1057,7 @@
           <a:p>
             <a:fld id="{05B13BA6-4F3B-0B47-A5CE-CBC8F1DB2A37}" type="datetimeFigureOut">
               <a:rPr lang="en-US" smtClean="0"/>
-              <a:t>11/8/17</a:t>
+              <a:t>11/9/17</a:t>
             </a:fld>
             <a:endParaRPr lang="en-US"/>
           </a:p>
@@ -1344,7 +1345,7 @@
           <a:p>
             <a:fld id="{05B13BA6-4F3B-0B47-A5CE-CBC8F1DB2A37}" type="datetimeFigureOut">
               <a:rPr lang="en-US" smtClean="0"/>
-              <a:t>11/8/17</a:t>
+              <a:t>11/9/17</a:t>
             </a:fld>
             <a:endParaRPr lang="en-US"/>
           </a:p>
@@ -1766,7 +1767,7 @@
           <a:p>
             <a:fld id="{05B13BA6-4F3B-0B47-A5CE-CBC8F1DB2A37}" type="datetimeFigureOut">
               <a:rPr lang="en-US" smtClean="0"/>
-              <a:t>11/8/17</a:t>
+              <a:t>11/9/17</a:t>
             </a:fld>
             <a:endParaRPr lang="en-US"/>
           </a:p>
@@ -1884,7 +1885,7 @@
           <a:p>
             <a:fld id="{05B13BA6-4F3B-0B47-A5CE-CBC8F1DB2A37}" type="datetimeFigureOut">
               <a:rPr lang="en-US" smtClean="0"/>
-              <a:t>11/8/17</a:t>
+              <a:t>11/9/17</a:t>
             </a:fld>
             <a:endParaRPr lang="en-US"/>
           </a:p>
@@ -1979,7 +1980,7 @@
           <a:p>
             <a:fld id="{05B13BA6-4F3B-0B47-A5CE-CBC8F1DB2A37}" type="datetimeFigureOut">
               <a:rPr lang="en-US" smtClean="0"/>
-              <a:t>11/8/17</a:t>
+              <a:t>11/9/17</a:t>
             </a:fld>
             <a:endParaRPr lang="en-US"/>
           </a:p>
@@ -2256,7 +2257,7 @@
           <a:p>
             <a:fld id="{05B13BA6-4F3B-0B47-A5CE-CBC8F1DB2A37}" type="datetimeFigureOut">
               <a:rPr lang="en-US" smtClean="0"/>
-              <a:t>11/8/17</a:t>
+              <a:t>11/9/17</a:t>
             </a:fld>
             <a:endParaRPr lang="en-US"/>
           </a:p>
@@ -2509,7 +2510,7 @@
           <a:p>
             <a:fld id="{05B13BA6-4F3B-0B47-A5CE-CBC8F1DB2A37}" type="datetimeFigureOut">
               <a:rPr lang="en-US" smtClean="0"/>
-              <a:t>11/8/17</a:t>
+              <a:t>11/9/17</a:t>
             </a:fld>
             <a:endParaRPr lang="en-US"/>
           </a:p>
@@ -2722,7 +2723,7 @@
           <a:p>
             <a:fld id="{05B13BA6-4F3B-0B47-A5CE-CBC8F1DB2A37}" type="datetimeFigureOut">
               <a:rPr lang="en-US" smtClean="0"/>
-              <a:t>11/8/17</a:t>
+              <a:t>11/9/17</a:t>
             </a:fld>
             <a:endParaRPr lang="en-US"/>
           </a:p>
@@ -3332,6 +3333,174 @@
         </p:nvSpPr>
         <p:spPr>
           <a:xfrm>
+            <a:off x="2468211" y="3835186"/>
+            <a:ext cx="5151041" cy="769441"/>
+          </a:xfrm>
+          <a:prstGeom prst="rect">
+            <a:avLst/>
+          </a:prstGeom>
+          <a:noFill/>
+        </p:spPr>
+        <p:txBody>
+          <a:bodyPr wrap="square" rtlCol="0">
+            <a:spAutoFit/>
+          </a:bodyPr>
+          <a:lstStyle/>
+          <a:p>
+            <a:r>
+              <a:rPr lang="en-US" sz="4400" smtClean="0">
+                <a:solidFill>
+                  <a:schemeClr val="tx2">
+                    <a:lumMod val="60000"/>
+                    <a:lumOff val="40000"/>
+                  </a:schemeClr>
+                </a:solidFill>
+                <a:latin typeface="Engravers MT"/>
+                <a:cs typeface="Engravers MT"/>
+              </a:rPr>
+              <a:t>BIOSCIENCES</a:t>
+            </a:r>
+            <a:endParaRPr lang="en-US" sz="4400" dirty="0">
+              <a:solidFill>
+                <a:schemeClr val="tx2">
+                  <a:lumMod val="60000"/>
+                  <a:lumOff val="40000"/>
+                </a:schemeClr>
+              </a:solidFill>
+              <a:latin typeface="Engravers MT"/>
+              <a:cs typeface="Engravers MT"/>
+            </a:endParaRPr>
+          </a:p>
+        </p:txBody>
+      </p:sp>
+      <p:pic>
+        <p:nvPicPr>
+          <p:cNvPr id="13" name="Picture 12"/>
+          <p:cNvPicPr>
+            <a:picLocks noChangeAspect="1"/>
+          </p:cNvPicPr>
+          <p:nvPr/>
+        </p:nvPicPr>
+        <p:blipFill>
+          <a:blip r:embed="rId3"/>
+          <a:stretch>
+            <a:fillRect/>
+          </a:stretch>
+        </p:blipFill>
+        <p:spPr>
+          <a:xfrm>
+            <a:off x="1639887" y="1809456"/>
+            <a:ext cx="6502400" cy="1866900"/>
+          </a:xfrm>
+          <a:prstGeom prst="rect">
+            <a:avLst/>
+          </a:prstGeom>
+        </p:spPr>
+      </p:pic>
+    </p:spTree>
+    <p:extLst>
+      <p:ext uri="{BB962C8B-B14F-4D97-AF65-F5344CB8AC3E}">
+        <p14:creationId xmlns:p14="http://schemas.microsoft.com/office/powerpoint/2010/main" val="388694388"/>
+      </p:ext>
+    </p:extLst>
+  </p:cSld>
+  <p:clrMapOvr>
+    <a:masterClrMapping/>
+  </p:clrMapOvr>
+  <p:timing>
+    <p:tnLst>
+      <p:par>
+        <p:cTn xmlns:p14="http://schemas.microsoft.com/office/powerpoint/2010/main" id="1" dur="indefinite" restart="never" nodeType="tmRoot"/>
+      </p:par>
+    </p:tnLst>
+  </p:timing>
+</p:sld>
+</file>
+
+<file path=ppt/slides/slide3.xml><?xml version="1.0" encoding="utf-8"?>
+<p:sld xmlns:a="http://schemas.openxmlformats.org/drawingml/2006/main" xmlns:r="http://schemas.openxmlformats.org/officeDocument/2006/relationships" xmlns:p="http://schemas.openxmlformats.org/presentationml/2006/main">
+  <p:cSld>
+    <p:spTree>
+      <p:nvGrpSpPr>
+        <p:cNvPr id="1" name=""/>
+        <p:cNvGrpSpPr/>
+        <p:nvPr/>
+      </p:nvGrpSpPr>
+      <p:grpSpPr>
+        <a:xfrm>
+          <a:off x="0" y="0"/>
+          <a:ext cx="0" cy="0"/>
+          <a:chOff x="0" y="0"/>
+          <a:chExt cx="0" cy="0"/>
+        </a:xfrm>
+      </p:grpSpPr>
+      <p:pic>
+        <p:nvPicPr>
+          <p:cNvPr id="14" name="Picture 13"/>
+          <p:cNvPicPr>
+            <a:picLocks noChangeAspect="1"/>
+          </p:cNvPicPr>
+          <p:nvPr/>
+        </p:nvPicPr>
+        <p:blipFill>
+          <a:blip r:embed="rId2"/>
+          <a:stretch>
+            <a:fillRect/>
+          </a:stretch>
+        </p:blipFill>
+        <p:spPr>
+          <a:xfrm>
+            <a:off x="1639887" y="3028818"/>
+            <a:ext cx="6502400" cy="2400300"/>
+          </a:xfrm>
+          <a:prstGeom prst="rect">
+            <a:avLst/>
+          </a:prstGeom>
+        </p:spPr>
+      </p:pic>
+      <p:sp>
+        <p:nvSpPr>
+          <p:cNvPr id="11" name="TextBox 10"/>
+          <p:cNvSpPr txBox="1"/>
+          <p:nvPr/>
+        </p:nvSpPr>
+        <p:spPr>
+          <a:xfrm>
+            <a:off x="2164152" y="2003522"/>
+            <a:ext cx="5437214" cy="1938992"/>
+          </a:xfrm>
+          <a:prstGeom prst="rect">
+            <a:avLst/>
+          </a:prstGeom>
+          <a:noFill/>
+        </p:spPr>
+        <p:txBody>
+          <a:bodyPr wrap="square" rtlCol="0">
+            <a:spAutoFit/>
+          </a:bodyPr>
+          <a:lstStyle/>
+          <a:p>
+            <a:r>
+              <a:rPr lang="en-US" sz="12000" b="1" dirty="0" smtClean="0">
+                <a:solidFill>
+                  <a:srgbClr val="000090"/>
+                </a:solidFill>
+                <a:latin typeface="Edwardian Script ITC"/>
+                <a:cs typeface="Edwardian Script ITC"/>
+              </a:rPr>
+              <a:t>Elite Luke</a:t>
+            </a:r>
+          </a:p>
+        </p:txBody>
+      </p:sp>
+      <p:sp>
+        <p:nvSpPr>
+          <p:cNvPr id="12" name="TextBox 11"/>
+          <p:cNvSpPr txBox="1"/>
+          <p:nvPr/>
+        </p:nvSpPr>
+        <p:spPr>
+          <a:xfrm>
             <a:off x="2503983" y="3835186"/>
             <a:ext cx="5168928" cy="769441"/>
           </a:xfrm>
@@ -3416,7 +3585,7 @@
 </p:sld>
 </file>
 
-<file path=ppt/slides/slide3.xml><?xml version="1.0" encoding="utf-8"?>
+<file path=ppt/slides/slide4.xml><?xml version="1.0" encoding="utf-8"?>
 <p:sld xmlns:a="http://schemas.openxmlformats.org/drawingml/2006/main" xmlns:r="http://schemas.openxmlformats.org/officeDocument/2006/relationships" xmlns:p="http://schemas.openxmlformats.org/presentationml/2006/main">
   <p:cSld>
     <p:spTree>
